--- a/ppt 16-9/0909.再相逢.pptx
+++ b/ppt 16-9/0909.再相逢.pptx
@@ -5,7 +5,7 @@
     <p:sldMasterId id="2147483648" r:id="rId1"/>
   </p:sldMasterIdLst>
   <p:sldIdLst>
-    <p:sldId id="267" r:id="rId2"/>
+    <p:sldId id="269" r:id="rId2"/>
   </p:sldIdLst>
   <p:sldSz cx="12192000" cy="6858000"/>
   <p:notesSz cx="6858000" cy="9144000"/>
@@ -129,7 +129,7 @@
           <p:cNvPr id="2" name="标题 1">
             <a:extLst>
               <a:ext uri="{FF2B5EF4-FFF2-40B4-BE49-F238E27FC236}">
-                <a16:creationId xmlns:a16="http://schemas.microsoft.com/office/drawing/2014/main" id="{16BD9869-6296-D124-108C-53BC7DAF8779}"/>
+                <a16:creationId xmlns:a16="http://schemas.microsoft.com/office/drawing/2014/main" id="{4C8373D8-ABE8-B730-DF5F-B3D791EB882F}"/>
               </a:ext>
             </a:extLst>
           </p:cNvPr>
@@ -166,7 +166,7 @@
           <p:cNvPr id="3" name="副标题 2">
             <a:extLst>
               <a:ext uri="{FF2B5EF4-FFF2-40B4-BE49-F238E27FC236}">
-                <a16:creationId xmlns:a16="http://schemas.microsoft.com/office/drawing/2014/main" id="{3F6D7CCD-610B-099B-06A1-C50123446820}"/>
+                <a16:creationId xmlns:a16="http://schemas.microsoft.com/office/drawing/2014/main" id="{82882859-C063-90A3-6916-AADB970500BC}"/>
               </a:ext>
             </a:extLst>
           </p:cNvPr>
@@ -236,7 +236,7 @@
           <p:cNvPr id="4" name="日期占位符 3">
             <a:extLst>
               <a:ext uri="{FF2B5EF4-FFF2-40B4-BE49-F238E27FC236}">
-                <a16:creationId xmlns:a16="http://schemas.microsoft.com/office/drawing/2014/main" id="{1C03542D-0842-F50F-815A-FFB6FD4FDA36}"/>
+                <a16:creationId xmlns:a16="http://schemas.microsoft.com/office/drawing/2014/main" id="{C426B85A-792C-FF09-55CE-C8F1C2980C34}"/>
               </a:ext>
             </a:extLst>
           </p:cNvPr>
@@ -252,7 +252,7 @@
           <a:bodyPr/>
           <a:lstStyle/>
           <a:p>
-            <a:fld id="{2AD1BEFF-7E0C-4E10-A70B-1EEC4F7446E7}" type="datetimeFigureOut">
+            <a:fld id="{F64A1DF1-1E45-49DB-8F25-2182515A9947}" type="datetimeFigureOut">
               <a:rPr lang="zh-CN" altLang="en-US" smtClean="0"/>
               <a:t>2024/3/10</a:t>
             </a:fld>
@@ -265,7 +265,7 @@
           <p:cNvPr id="5" name="页脚占位符 4">
             <a:extLst>
               <a:ext uri="{FF2B5EF4-FFF2-40B4-BE49-F238E27FC236}">
-                <a16:creationId xmlns:a16="http://schemas.microsoft.com/office/drawing/2014/main" id="{6C710526-EC07-0CF3-44DA-310B405D4824}"/>
+                <a16:creationId xmlns:a16="http://schemas.microsoft.com/office/drawing/2014/main" id="{0AB418FB-5A6A-58F3-9E18-F9842DC2A0F0}"/>
               </a:ext>
             </a:extLst>
           </p:cNvPr>
@@ -290,7 +290,7 @@
           <p:cNvPr id="6" name="灯片编号占位符 5">
             <a:extLst>
               <a:ext uri="{FF2B5EF4-FFF2-40B4-BE49-F238E27FC236}">
-                <a16:creationId xmlns:a16="http://schemas.microsoft.com/office/drawing/2014/main" id="{191AD7B3-F097-5631-451E-842C2FC47822}"/>
+                <a16:creationId xmlns:a16="http://schemas.microsoft.com/office/drawing/2014/main" id="{0203BD3A-D90C-C001-1C4A-168193602C0F}"/>
               </a:ext>
             </a:extLst>
           </p:cNvPr>
@@ -306,7 +306,7 @@
           <a:bodyPr/>
           <a:lstStyle/>
           <a:p>
-            <a:fld id="{B5DA1F40-33A5-4E7A-818A-4A672985F447}" type="slidenum">
+            <a:fld id="{4E4039FF-377A-4E11-8A9B-E514BC42AA2E}" type="slidenum">
               <a:rPr lang="zh-CN" altLang="en-US" smtClean="0"/>
               <a:t>‹#›</a:t>
             </a:fld>
@@ -317,7 +317,7 @@
     </p:spTree>
     <p:extLst>
       <p:ext uri="{BB962C8B-B14F-4D97-AF65-F5344CB8AC3E}">
-        <p14:creationId xmlns:p14="http://schemas.microsoft.com/office/powerpoint/2010/main" val="1505831665"/>
+        <p14:creationId xmlns:p14="http://schemas.microsoft.com/office/powerpoint/2010/main" val="950709579"/>
       </p:ext>
     </p:extLst>
   </p:cSld>
@@ -349,7 +349,7 @@
           <p:cNvPr id="2" name="标题 1">
             <a:extLst>
               <a:ext uri="{FF2B5EF4-FFF2-40B4-BE49-F238E27FC236}">
-                <a16:creationId xmlns:a16="http://schemas.microsoft.com/office/drawing/2014/main" id="{2F653E77-548C-3626-8042-AD06D217BB5C}"/>
+                <a16:creationId xmlns:a16="http://schemas.microsoft.com/office/drawing/2014/main" id="{0CFA0E61-9958-D5DE-23D8-450C33E7A8B0}"/>
               </a:ext>
             </a:extLst>
           </p:cNvPr>
@@ -377,7 +377,7 @@
           <p:cNvPr id="3" name="竖排文字占位符 2">
             <a:extLst>
               <a:ext uri="{FF2B5EF4-FFF2-40B4-BE49-F238E27FC236}">
-                <a16:creationId xmlns:a16="http://schemas.microsoft.com/office/drawing/2014/main" id="{85D5FF81-CC26-5707-45CA-79228AF97019}"/>
+                <a16:creationId xmlns:a16="http://schemas.microsoft.com/office/drawing/2014/main" id="{F48D28ED-A317-89C8-954C-4C6D04215450}"/>
               </a:ext>
             </a:extLst>
           </p:cNvPr>
@@ -434,7 +434,7 @@
           <p:cNvPr id="4" name="日期占位符 3">
             <a:extLst>
               <a:ext uri="{FF2B5EF4-FFF2-40B4-BE49-F238E27FC236}">
-                <a16:creationId xmlns:a16="http://schemas.microsoft.com/office/drawing/2014/main" id="{54386225-C5B5-3911-14D0-87289D09BF82}"/>
+                <a16:creationId xmlns:a16="http://schemas.microsoft.com/office/drawing/2014/main" id="{F7F1DFB6-5601-61C7-A4D1-90A0D08953BA}"/>
               </a:ext>
             </a:extLst>
           </p:cNvPr>
@@ -450,7 +450,7 @@
           <a:bodyPr/>
           <a:lstStyle/>
           <a:p>
-            <a:fld id="{2AD1BEFF-7E0C-4E10-A70B-1EEC4F7446E7}" type="datetimeFigureOut">
+            <a:fld id="{F64A1DF1-1E45-49DB-8F25-2182515A9947}" type="datetimeFigureOut">
               <a:rPr lang="zh-CN" altLang="en-US" smtClean="0"/>
               <a:t>2024/3/10</a:t>
             </a:fld>
@@ -463,7 +463,7 @@
           <p:cNvPr id="5" name="页脚占位符 4">
             <a:extLst>
               <a:ext uri="{FF2B5EF4-FFF2-40B4-BE49-F238E27FC236}">
-                <a16:creationId xmlns:a16="http://schemas.microsoft.com/office/drawing/2014/main" id="{C1BEFA0D-F0A1-41BB-FE6D-3647B1720ACA}"/>
+                <a16:creationId xmlns:a16="http://schemas.microsoft.com/office/drawing/2014/main" id="{188F54E3-B2B3-FC18-45DC-FD86DA5EFA70}"/>
               </a:ext>
             </a:extLst>
           </p:cNvPr>
@@ -488,7 +488,7 @@
           <p:cNvPr id="6" name="灯片编号占位符 5">
             <a:extLst>
               <a:ext uri="{FF2B5EF4-FFF2-40B4-BE49-F238E27FC236}">
-                <a16:creationId xmlns:a16="http://schemas.microsoft.com/office/drawing/2014/main" id="{EA9020A2-4995-5DBB-309D-A600449D527E}"/>
+                <a16:creationId xmlns:a16="http://schemas.microsoft.com/office/drawing/2014/main" id="{71DE0BC3-E7E0-7F74-1C5A-9DD506433FCA}"/>
               </a:ext>
             </a:extLst>
           </p:cNvPr>
@@ -504,7 +504,7 @@
           <a:bodyPr/>
           <a:lstStyle/>
           <a:p>
-            <a:fld id="{B5DA1F40-33A5-4E7A-818A-4A672985F447}" type="slidenum">
+            <a:fld id="{4E4039FF-377A-4E11-8A9B-E514BC42AA2E}" type="slidenum">
               <a:rPr lang="zh-CN" altLang="en-US" smtClean="0"/>
               <a:t>‹#›</a:t>
             </a:fld>
@@ -515,7 +515,7 @@
     </p:spTree>
     <p:extLst>
       <p:ext uri="{BB962C8B-B14F-4D97-AF65-F5344CB8AC3E}">
-        <p14:creationId xmlns:p14="http://schemas.microsoft.com/office/powerpoint/2010/main" val="2459195862"/>
+        <p14:creationId xmlns:p14="http://schemas.microsoft.com/office/powerpoint/2010/main" val="978710944"/>
       </p:ext>
     </p:extLst>
   </p:cSld>
@@ -547,7 +547,7 @@
           <p:cNvPr id="2" name="竖排标题 1">
             <a:extLst>
               <a:ext uri="{FF2B5EF4-FFF2-40B4-BE49-F238E27FC236}">
-                <a16:creationId xmlns:a16="http://schemas.microsoft.com/office/drawing/2014/main" id="{D318606E-D65B-FFBD-C84D-02D9C882B335}"/>
+                <a16:creationId xmlns:a16="http://schemas.microsoft.com/office/drawing/2014/main" id="{E78200AF-9BD6-5241-E34E-7875DE2F7836}"/>
               </a:ext>
             </a:extLst>
           </p:cNvPr>
@@ -580,7 +580,7 @@
           <p:cNvPr id="3" name="竖排文字占位符 2">
             <a:extLst>
               <a:ext uri="{FF2B5EF4-FFF2-40B4-BE49-F238E27FC236}">
-                <a16:creationId xmlns:a16="http://schemas.microsoft.com/office/drawing/2014/main" id="{BEC6069F-722B-1A26-08A6-4E87A9D02152}"/>
+                <a16:creationId xmlns:a16="http://schemas.microsoft.com/office/drawing/2014/main" id="{8D5FD6B9-650F-1436-8122-5B9BF3CF17D6}"/>
               </a:ext>
             </a:extLst>
           </p:cNvPr>
@@ -642,7 +642,7 @@
           <p:cNvPr id="4" name="日期占位符 3">
             <a:extLst>
               <a:ext uri="{FF2B5EF4-FFF2-40B4-BE49-F238E27FC236}">
-                <a16:creationId xmlns:a16="http://schemas.microsoft.com/office/drawing/2014/main" id="{07F3A5A4-4B38-D881-9E5A-610081AA0E05}"/>
+                <a16:creationId xmlns:a16="http://schemas.microsoft.com/office/drawing/2014/main" id="{E3B3937B-6913-B8EE-9B2F-6378E2AD1499}"/>
               </a:ext>
             </a:extLst>
           </p:cNvPr>
@@ -658,7 +658,7 @@
           <a:bodyPr/>
           <a:lstStyle/>
           <a:p>
-            <a:fld id="{2AD1BEFF-7E0C-4E10-A70B-1EEC4F7446E7}" type="datetimeFigureOut">
+            <a:fld id="{F64A1DF1-1E45-49DB-8F25-2182515A9947}" type="datetimeFigureOut">
               <a:rPr lang="zh-CN" altLang="en-US" smtClean="0"/>
               <a:t>2024/3/10</a:t>
             </a:fld>
@@ -671,7 +671,7 @@
           <p:cNvPr id="5" name="页脚占位符 4">
             <a:extLst>
               <a:ext uri="{FF2B5EF4-FFF2-40B4-BE49-F238E27FC236}">
-                <a16:creationId xmlns:a16="http://schemas.microsoft.com/office/drawing/2014/main" id="{3B868145-9AF5-E9BC-BD9C-C0B1FB96D7D3}"/>
+                <a16:creationId xmlns:a16="http://schemas.microsoft.com/office/drawing/2014/main" id="{39DB60AA-78B0-FEFC-55C9-184D71509792}"/>
               </a:ext>
             </a:extLst>
           </p:cNvPr>
@@ -696,7 +696,7 @@
           <p:cNvPr id="6" name="灯片编号占位符 5">
             <a:extLst>
               <a:ext uri="{FF2B5EF4-FFF2-40B4-BE49-F238E27FC236}">
-                <a16:creationId xmlns:a16="http://schemas.microsoft.com/office/drawing/2014/main" id="{A26BBA7B-3787-613D-C720-C04A9004D05A}"/>
+                <a16:creationId xmlns:a16="http://schemas.microsoft.com/office/drawing/2014/main" id="{006DFA1E-CB55-CEF7-52FE-2E3B0745881D}"/>
               </a:ext>
             </a:extLst>
           </p:cNvPr>
@@ -712,7 +712,7 @@
           <a:bodyPr/>
           <a:lstStyle/>
           <a:p>
-            <a:fld id="{B5DA1F40-33A5-4E7A-818A-4A672985F447}" type="slidenum">
+            <a:fld id="{4E4039FF-377A-4E11-8A9B-E514BC42AA2E}" type="slidenum">
               <a:rPr lang="zh-CN" altLang="en-US" smtClean="0"/>
               <a:t>‹#›</a:t>
             </a:fld>
@@ -723,7 +723,7 @@
     </p:spTree>
     <p:extLst>
       <p:ext uri="{BB962C8B-B14F-4D97-AF65-F5344CB8AC3E}">
-        <p14:creationId xmlns:p14="http://schemas.microsoft.com/office/powerpoint/2010/main" val="2438737705"/>
+        <p14:creationId xmlns:p14="http://schemas.microsoft.com/office/powerpoint/2010/main" val="3360074924"/>
       </p:ext>
     </p:extLst>
   </p:cSld>
@@ -755,7 +755,7 @@
           <p:cNvPr id="2" name="标题 1">
             <a:extLst>
               <a:ext uri="{FF2B5EF4-FFF2-40B4-BE49-F238E27FC236}">
-                <a16:creationId xmlns:a16="http://schemas.microsoft.com/office/drawing/2014/main" id="{973B9A21-3ECE-D69E-2B6F-0A8A447957A6}"/>
+                <a16:creationId xmlns:a16="http://schemas.microsoft.com/office/drawing/2014/main" id="{667CB655-8EA3-0CB9-B818-FBA9E040B178}"/>
               </a:ext>
             </a:extLst>
           </p:cNvPr>
@@ -783,7 +783,7 @@
           <p:cNvPr id="3" name="内容占位符 2">
             <a:extLst>
               <a:ext uri="{FF2B5EF4-FFF2-40B4-BE49-F238E27FC236}">
-                <a16:creationId xmlns:a16="http://schemas.microsoft.com/office/drawing/2014/main" id="{AA02B5BA-FC6D-8F9C-4D47-AF1062C5A05D}"/>
+                <a16:creationId xmlns:a16="http://schemas.microsoft.com/office/drawing/2014/main" id="{D5C3A172-CD72-B5CA-70F0-116E72A025A6}"/>
               </a:ext>
             </a:extLst>
           </p:cNvPr>
@@ -840,7 +840,7 @@
           <p:cNvPr id="4" name="日期占位符 3">
             <a:extLst>
               <a:ext uri="{FF2B5EF4-FFF2-40B4-BE49-F238E27FC236}">
-                <a16:creationId xmlns:a16="http://schemas.microsoft.com/office/drawing/2014/main" id="{BE5B74A4-2F46-17BC-579B-257AC9AC67AD}"/>
+                <a16:creationId xmlns:a16="http://schemas.microsoft.com/office/drawing/2014/main" id="{D692566A-DB0B-9D1A-A8A7-FDF5C190F64D}"/>
               </a:ext>
             </a:extLst>
           </p:cNvPr>
@@ -856,7 +856,7 @@
           <a:bodyPr/>
           <a:lstStyle/>
           <a:p>
-            <a:fld id="{2AD1BEFF-7E0C-4E10-A70B-1EEC4F7446E7}" type="datetimeFigureOut">
+            <a:fld id="{F64A1DF1-1E45-49DB-8F25-2182515A9947}" type="datetimeFigureOut">
               <a:rPr lang="zh-CN" altLang="en-US" smtClean="0"/>
               <a:t>2024/3/10</a:t>
             </a:fld>
@@ -869,7 +869,7 @@
           <p:cNvPr id="5" name="页脚占位符 4">
             <a:extLst>
               <a:ext uri="{FF2B5EF4-FFF2-40B4-BE49-F238E27FC236}">
-                <a16:creationId xmlns:a16="http://schemas.microsoft.com/office/drawing/2014/main" id="{BE2A06A3-8599-BB77-9392-C1D674BF0902}"/>
+                <a16:creationId xmlns:a16="http://schemas.microsoft.com/office/drawing/2014/main" id="{90BA4519-5C15-DC29-5EB6-241F92867BC3}"/>
               </a:ext>
             </a:extLst>
           </p:cNvPr>
@@ -894,7 +894,7 @@
           <p:cNvPr id="6" name="灯片编号占位符 5">
             <a:extLst>
               <a:ext uri="{FF2B5EF4-FFF2-40B4-BE49-F238E27FC236}">
-                <a16:creationId xmlns:a16="http://schemas.microsoft.com/office/drawing/2014/main" id="{C3AC9D49-5EAD-B6DB-CF12-5FD19D3168CD}"/>
+                <a16:creationId xmlns:a16="http://schemas.microsoft.com/office/drawing/2014/main" id="{28C5D952-1806-250E-20C6-1C55EFFA7D52}"/>
               </a:ext>
             </a:extLst>
           </p:cNvPr>
@@ -910,7 +910,7 @@
           <a:bodyPr/>
           <a:lstStyle/>
           <a:p>
-            <a:fld id="{B5DA1F40-33A5-4E7A-818A-4A672985F447}" type="slidenum">
+            <a:fld id="{4E4039FF-377A-4E11-8A9B-E514BC42AA2E}" type="slidenum">
               <a:rPr lang="zh-CN" altLang="en-US" smtClean="0"/>
               <a:t>‹#›</a:t>
             </a:fld>
@@ -921,7 +921,7 @@
     </p:spTree>
     <p:extLst>
       <p:ext uri="{BB962C8B-B14F-4D97-AF65-F5344CB8AC3E}">
-        <p14:creationId xmlns:p14="http://schemas.microsoft.com/office/powerpoint/2010/main" val="1877901907"/>
+        <p14:creationId xmlns:p14="http://schemas.microsoft.com/office/powerpoint/2010/main" val="1078158311"/>
       </p:ext>
     </p:extLst>
   </p:cSld>
@@ -953,7 +953,7 @@
           <p:cNvPr id="2" name="标题 1">
             <a:extLst>
               <a:ext uri="{FF2B5EF4-FFF2-40B4-BE49-F238E27FC236}">
-                <a16:creationId xmlns:a16="http://schemas.microsoft.com/office/drawing/2014/main" id="{63FE3FA7-4C72-6A79-E93E-B26DEB2E47CB}"/>
+                <a16:creationId xmlns:a16="http://schemas.microsoft.com/office/drawing/2014/main" id="{E73F4AAD-3F60-75AC-3747-D7CAAC63CD3E}"/>
               </a:ext>
             </a:extLst>
           </p:cNvPr>
@@ -990,7 +990,7 @@
           <p:cNvPr id="3" name="文本占位符 2">
             <a:extLst>
               <a:ext uri="{FF2B5EF4-FFF2-40B4-BE49-F238E27FC236}">
-                <a16:creationId xmlns:a16="http://schemas.microsoft.com/office/drawing/2014/main" id="{7833D344-427A-244D-31A3-81B6A9B0A041}"/>
+                <a16:creationId xmlns:a16="http://schemas.microsoft.com/office/drawing/2014/main" id="{031AE43D-CD9B-14A0-8C54-19C8F187C089}"/>
               </a:ext>
             </a:extLst>
           </p:cNvPr>
@@ -1115,7 +1115,7 @@
           <p:cNvPr id="4" name="日期占位符 3">
             <a:extLst>
               <a:ext uri="{FF2B5EF4-FFF2-40B4-BE49-F238E27FC236}">
-                <a16:creationId xmlns:a16="http://schemas.microsoft.com/office/drawing/2014/main" id="{025998BA-D895-5285-A92D-E1F8AE2BEDA6}"/>
+                <a16:creationId xmlns:a16="http://schemas.microsoft.com/office/drawing/2014/main" id="{8F929913-C6B2-22A4-40F1-6470728B94B3}"/>
               </a:ext>
             </a:extLst>
           </p:cNvPr>
@@ -1131,7 +1131,7 @@
           <a:bodyPr/>
           <a:lstStyle/>
           <a:p>
-            <a:fld id="{2AD1BEFF-7E0C-4E10-A70B-1EEC4F7446E7}" type="datetimeFigureOut">
+            <a:fld id="{F64A1DF1-1E45-49DB-8F25-2182515A9947}" type="datetimeFigureOut">
               <a:rPr lang="zh-CN" altLang="en-US" smtClean="0"/>
               <a:t>2024/3/10</a:t>
             </a:fld>
@@ -1144,7 +1144,7 @@
           <p:cNvPr id="5" name="页脚占位符 4">
             <a:extLst>
               <a:ext uri="{FF2B5EF4-FFF2-40B4-BE49-F238E27FC236}">
-                <a16:creationId xmlns:a16="http://schemas.microsoft.com/office/drawing/2014/main" id="{BDB4D13D-CCC9-CCFF-5333-76CA0AC2D77F}"/>
+                <a16:creationId xmlns:a16="http://schemas.microsoft.com/office/drawing/2014/main" id="{3902A090-F6FC-AA5C-15BF-79DCC5F6EE5D}"/>
               </a:ext>
             </a:extLst>
           </p:cNvPr>
@@ -1169,7 +1169,7 @@
           <p:cNvPr id="6" name="灯片编号占位符 5">
             <a:extLst>
               <a:ext uri="{FF2B5EF4-FFF2-40B4-BE49-F238E27FC236}">
-                <a16:creationId xmlns:a16="http://schemas.microsoft.com/office/drawing/2014/main" id="{35E6F4D2-9734-1735-C4F0-619431C99147}"/>
+                <a16:creationId xmlns:a16="http://schemas.microsoft.com/office/drawing/2014/main" id="{39E04B5B-A964-73B3-BF52-A5D7174F1137}"/>
               </a:ext>
             </a:extLst>
           </p:cNvPr>
@@ -1185,7 +1185,7 @@
           <a:bodyPr/>
           <a:lstStyle/>
           <a:p>
-            <a:fld id="{B5DA1F40-33A5-4E7A-818A-4A672985F447}" type="slidenum">
+            <a:fld id="{4E4039FF-377A-4E11-8A9B-E514BC42AA2E}" type="slidenum">
               <a:rPr lang="zh-CN" altLang="en-US" smtClean="0"/>
               <a:t>‹#›</a:t>
             </a:fld>
@@ -1196,7 +1196,7 @@
     </p:spTree>
     <p:extLst>
       <p:ext uri="{BB962C8B-B14F-4D97-AF65-F5344CB8AC3E}">
-        <p14:creationId xmlns:p14="http://schemas.microsoft.com/office/powerpoint/2010/main" val="2240078890"/>
+        <p14:creationId xmlns:p14="http://schemas.microsoft.com/office/powerpoint/2010/main" val="2602213941"/>
       </p:ext>
     </p:extLst>
   </p:cSld>
@@ -1228,7 +1228,7 @@
           <p:cNvPr id="2" name="标题 1">
             <a:extLst>
               <a:ext uri="{FF2B5EF4-FFF2-40B4-BE49-F238E27FC236}">
-                <a16:creationId xmlns:a16="http://schemas.microsoft.com/office/drawing/2014/main" id="{8BFE7C22-DD98-6713-3E33-5B91C10FA938}"/>
+                <a16:creationId xmlns:a16="http://schemas.microsoft.com/office/drawing/2014/main" id="{7E7FBA0C-45D5-A381-ECE5-4BC5568D644B}"/>
               </a:ext>
             </a:extLst>
           </p:cNvPr>
@@ -1256,7 +1256,7 @@
           <p:cNvPr id="3" name="内容占位符 2">
             <a:extLst>
               <a:ext uri="{FF2B5EF4-FFF2-40B4-BE49-F238E27FC236}">
-                <a16:creationId xmlns:a16="http://schemas.microsoft.com/office/drawing/2014/main" id="{41760431-BA91-048F-233F-AC7820DC2DB3}"/>
+                <a16:creationId xmlns:a16="http://schemas.microsoft.com/office/drawing/2014/main" id="{5D888F75-349F-64E4-8222-2622D48BEB26}"/>
               </a:ext>
             </a:extLst>
           </p:cNvPr>
@@ -1318,7 +1318,7 @@
           <p:cNvPr id="4" name="内容占位符 3">
             <a:extLst>
               <a:ext uri="{FF2B5EF4-FFF2-40B4-BE49-F238E27FC236}">
-                <a16:creationId xmlns:a16="http://schemas.microsoft.com/office/drawing/2014/main" id="{DB563FA7-B598-C0D8-EEAF-30E979932438}"/>
+                <a16:creationId xmlns:a16="http://schemas.microsoft.com/office/drawing/2014/main" id="{10FBDB9F-2489-3701-836A-972E895F48C4}"/>
               </a:ext>
             </a:extLst>
           </p:cNvPr>
@@ -1380,7 +1380,7 @@
           <p:cNvPr id="5" name="日期占位符 4">
             <a:extLst>
               <a:ext uri="{FF2B5EF4-FFF2-40B4-BE49-F238E27FC236}">
-                <a16:creationId xmlns:a16="http://schemas.microsoft.com/office/drawing/2014/main" id="{37D31B27-E2AB-BBE1-66F1-D5ACFBC3A70F}"/>
+                <a16:creationId xmlns:a16="http://schemas.microsoft.com/office/drawing/2014/main" id="{538A137D-DF7F-05EB-1CEE-C4E57EEA1DF0}"/>
               </a:ext>
             </a:extLst>
           </p:cNvPr>
@@ -1396,7 +1396,7 @@
           <a:bodyPr/>
           <a:lstStyle/>
           <a:p>
-            <a:fld id="{2AD1BEFF-7E0C-4E10-A70B-1EEC4F7446E7}" type="datetimeFigureOut">
+            <a:fld id="{F64A1DF1-1E45-49DB-8F25-2182515A9947}" type="datetimeFigureOut">
               <a:rPr lang="zh-CN" altLang="en-US" smtClean="0"/>
               <a:t>2024/3/10</a:t>
             </a:fld>
@@ -1409,7 +1409,7 @@
           <p:cNvPr id="6" name="页脚占位符 5">
             <a:extLst>
               <a:ext uri="{FF2B5EF4-FFF2-40B4-BE49-F238E27FC236}">
-                <a16:creationId xmlns:a16="http://schemas.microsoft.com/office/drawing/2014/main" id="{D7E654DF-5E94-1EA0-FCAE-AD40B4407DE8}"/>
+                <a16:creationId xmlns:a16="http://schemas.microsoft.com/office/drawing/2014/main" id="{574EE1E1-F175-5DE8-A849-D5ECF70F1204}"/>
               </a:ext>
             </a:extLst>
           </p:cNvPr>
@@ -1434,7 +1434,7 @@
           <p:cNvPr id="7" name="灯片编号占位符 6">
             <a:extLst>
               <a:ext uri="{FF2B5EF4-FFF2-40B4-BE49-F238E27FC236}">
-                <a16:creationId xmlns:a16="http://schemas.microsoft.com/office/drawing/2014/main" id="{48C68FC2-CBB6-DE8B-1ADA-F2744FB54E43}"/>
+                <a16:creationId xmlns:a16="http://schemas.microsoft.com/office/drawing/2014/main" id="{E1607E9E-F56B-6C04-6866-85F9157D190C}"/>
               </a:ext>
             </a:extLst>
           </p:cNvPr>
@@ -1450,7 +1450,7 @@
           <a:bodyPr/>
           <a:lstStyle/>
           <a:p>
-            <a:fld id="{B5DA1F40-33A5-4E7A-818A-4A672985F447}" type="slidenum">
+            <a:fld id="{4E4039FF-377A-4E11-8A9B-E514BC42AA2E}" type="slidenum">
               <a:rPr lang="zh-CN" altLang="en-US" smtClean="0"/>
               <a:t>‹#›</a:t>
             </a:fld>
@@ -1461,7 +1461,7 @@
     </p:spTree>
     <p:extLst>
       <p:ext uri="{BB962C8B-B14F-4D97-AF65-F5344CB8AC3E}">
-        <p14:creationId xmlns:p14="http://schemas.microsoft.com/office/powerpoint/2010/main" val="3514204191"/>
+        <p14:creationId xmlns:p14="http://schemas.microsoft.com/office/powerpoint/2010/main" val="3439427888"/>
       </p:ext>
     </p:extLst>
   </p:cSld>
@@ -1493,7 +1493,7 @@
           <p:cNvPr id="2" name="标题 1">
             <a:extLst>
               <a:ext uri="{FF2B5EF4-FFF2-40B4-BE49-F238E27FC236}">
-                <a16:creationId xmlns:a16="http://schemas.microsoft.com/office/drawing/2014/main" id="{193787DA-5BDF-BD75-0211-3FF38483C135}"/>
+                <a16:creationId xmlns:a16="http://schemas.microsoft.com/office/drawing/2014/main" id="{7C555906-D495-D063-96D6-8166CDEA060F}"/>
               </a:ext>
             </a:extLst>
           </p:cNvPr>
@@ -1526,7 +1526,7 @@
           <p:cNvPr id="3" name="文本占位符 2">
             <a:extLst>
               <a:ext uri="{FF2B5EF4-FFF2-40B4-BE49-F238E27FC236}">
-                <a16:creationId xmlns:a16="http://schemas.microsoft.com/office/drawing/2014/main" id="{DC1736C2-7585-E2EF-B68D-C8965BE08E51}"/>
+                <a16:creationId xmlns:a16="http://schemas.microsoft.com/office/drawing/2014/main" id="{A1DF28BE-38BF-40CF-B9C6-64B498673F86}"/>
               </a:ext>
             </a:extLst>
           </p:cNvPr>
@@ -1597,7 +1597,7 @@
           <p:cNvPr id="4" name="内容占位符 3">
             <a:extLst>
               <a:ext uri="{FF2B5EF4-FFF2-40B4-BE49-F238E27FC236}">
-                <a16:creationId xmlns:a16="http://schemas.microsoft.com/office/drawing/2014/main" id="{5C6D0D80-DF9C-9C95-6067-58D127DFBCCC}"/>
+                <a16:creationId xmlns:a16="http://schemas.microsoft.com/office/drawing/2014/main" id="{27CE7F31-64AC-11E3-D1D5-9524713CE84C}"/>
               </a:ext>
             </a:extLst>
           </p:cNvPr>
@@ -1659,7 +1659,7 @@
           <p:cNvPr id="5" name="文本占位符 4">
             <a:extLst>
               <a:ext uri="{FF2B5EF4-FFF2-40B4-BE49-F238E27FC236}">
-                <a16:creationId xmlns:a16="http://schemas.microsoft.com/office/drawing/2014/main" id="{68D3E8AB-06E8-82CD-90D0-7971236DEC99}"/>
+                <a16:creationId xmlns:a16="http://schemas.microsoft.com/office/drawing/2014/main" id="{BDE87548-9262-ED6E-35BF-FA96602E4698}"/>
               </a:ext>
             </a:extLst>
           </p:cNvPr>
@@ -1730,7 +1730,7 @@
           <p:cNvPr id="6" name="内容占位符 5">
             <a:extLst>
               <a:ext uri="{FF2B5EF4-FFF2-40B4-BE49-F238E27FC236}">
-                <a16:creationId xmlns:a16="http://schemas.microsoft.com/office/drawing/2014/main" id="{8E1B8AB6-BEEA-BABA-7D0D-1A8E03A1145D}"/>
+                <a16:creationId xmlns:a16="http://schemas.microsoft.com/office/drawing/2014/main" id="{49A034BA-DFF2-C608-C445-55EFA7F9A026}"/>
               </a:ext>
             </a:extLst>
           </p:cNvPr>
@@ -1792,7 +1792,7 @@
           <p:cNvPr id="7" name="日期占位符 6">
             <a:extLst>
               <a:ext uri="{FF2B5EF4-FFF2-40B4-BE49-F238E27FC236}">
-                <a16:creationId xmlns:a16="http://schemas.microsoft.com/office/drawing/2014/main" id="{A801D9F0-4777-55B6-476F-7D3E000E1F5C}"/>
+                <a16:creationId xmlns:a16="http://schemas.microsoft.com/office/drawing/2014/main" id="{491809C1-FDC2-7295-72DD-767360CA8789}"/>
               </a:ext>
             </a:extLst>
           </p:cNvPr>
@@ -1808,7 +1808,7 @@
           <a:bodyPr/>
           <a:lstStyle/>
           <a:p>
-            <a:fld id="{2AD1BEFF-7E0C-4E10-A70B-1EEC4F7446E7}" type="datetimeFigureOut">
+            <a:fld id="{F64A1DF1-1E45-49DB-8F25-2182515A9947}" type="datetimeFigureOut">
               <a:rPr lang="zh-CN" altLang="en-US" smtClean="0"/>
               <a:t>2024/3/10</a:t>
             </a:fld>
@@ -1821,7 +1821,7 @@
           <p:cNvPr id="8" name="页脚占位符 7">
             <a:extLst>
               <a:ext uri="{FF2B5EF4-FFF2-40B4-BE49-F238E27FC236}">
-                <a16:creationId xmlns:a16="http://schemas.microsoft.com/office/drawing/2014/main" id="{C4CF7C50-3B4E-412D-76FC-E7807E186794}"/>
+                <a16:creationId xmlns:a16="http://schemas.microsoft.com/office/drawing/2014/main" id="{9C2700AB-6FC1-B539-73AB-5E0E9B77B2A7}"/>
               </a:ext>
             </a:extLst>
           </p:cNvPr>
@@ -1846,7 +1846,7 @@
           <p:cNvPr id="9" name="灯片编号占位符 8">
             <a:extLst>
               <a:ext uri="{FF2B5EF4-FFF2-40B4-BE49-F238E27FC236}">
-                <a16:creationId xmlns:a16="http://schemas.microsoft.com/office/drawing/2014/main" id="{3B517AE5-ACF1-AD32-322D-F222B1D485B8}"/>
+                <a16:creationId xmlns:a16="http://schemas.microsoft.com/office/drawing/2014/main" id="{443FAD2A-3C4E-6176-1F98-A687E676A8BC}"/>
               </a:ext>
             </a:extLst>
           </p:cNvPr>
@@ -1862,7 +1862,7 @@
           <a:bodyPr/>
           <a:lstStyle/>
           <a:p>
-            <a:fld id="{B5DA1F40-33A5-4E7A-818A-4A672985F447}" type="slidenum">
+            <a:fld id="{4E4039FF-377A-4E11-8A9B-E514BC42AA2E}" type="slidenum">
               <a:rPr lang="zh-CN" altLang="en-US" smtClean="0"/>
               <a:t>‹#›</a:t>
             </a:fld>
@@ -1873,7 +1873,7 @@
     </p:spTree>
     <p:extLst>
       <p:ext uri="{BB962C8B-B14F-4D97-AF65-F5344CB8AC3E}">
-        <p14:creationId xmlns:p14="http://schemas.microsoft.com/office/powerpoint/2010/main" val="3712453583"/>
+        <p14:creationId xmlns:p14="http://schemas.microsoft.com/office/powerpoint/2010/main" val="665097185"/>
       </p:ext>
     </p:extLst>
   </p:cSld>
@@ -1905,7 +1905,7 @@
           <p:cNvPr id="2" name="标题 1">
             <a:extLst>
               <a:ext uri="{FF2B5EF4-FFF2-40B4-BE49-F238E27FC236}">
-                <a16:creationId xmlns:a16="http://schemas.microsoft.com/office/drawing/2014/main" id="{E6854B73-D684-A25E-3417-3547EA3312DF}"/>
+                <a16:creationId xmlns:a16="http://schemas.microsoft.com/office/drawing/2014/main" id="{F1711D9D-D138-7B90-9E2E-104EC051ED7C}"/>
               </a:ext>
             </a:extLst>
           </p:cNvPr>
@@ -1933,7 +1933,7 @@
           <p:cNvPr id="3" name="日期占位符 2">
             <a:extLst>
               <a:ext uri="{FF2B5EF4-FFF2-40B4-BE49-F238E27FC236}">
-                <a16:creationId xmlns:a16="http://schemas.microsoft.com/office/drawing/2014/main" id="{DF7659F8-3B47-1641-2C09-D80DF1463DC8}"/>
+                <a16:creationId xmlns:a16="http://schemas.microsoft.com/office/drawing/2014/main" id="{DB3AF967-9251-9499-CE7E-8FA79327C558}"/>
               </a:ext>
             </a:extLst>
           </p:cNvPr>
@@ -1949,7 +1949,7 @@
           <a:bodyPr/>
           <a:lstStyle/>
           <a:p>
-            <a:fld id="{2AD1BEFF-7E0C-4E10-A70B-1EEC4F7446E7}" type="datetimeFigureOut">
+            <a:fld id="{F64A1DF1-1E45-49DB-8F25-2182515A9947}" type="datetimeFigureOut">
               <a:rPr lang="zh-CN" altLang="en-US" smtClean="0"/>
               <a:t>2024/3/10</a:t>
             </a:fld>
@@ -1962,7 +1962,7 @@
           <p:cNvPr id="4" name="页脚占位符 3">
             <a:extLst>
               <a:ext uri="{FF2B5EF4-FFF2-40B4-BE49-F238E27FC236}">
-                <a16:creationId xmlns:a16="http://schemas.microsoft.com/office/drawing/2014/main" id="{C337A5DF-25D5-7B0C-215A-9F4ED14259E4}"/>
+                <a16:creationId xmlns:a16="http://schemas.microsoft.com/office/drawing/2014/main" id="{A3B71E3B-F551-E95C-17C0-9909F94D64B0}"/>
               </a:ext>
             </a:extLst>
           </p:cNvPr>
@@ -1987,7 +1987,7 @@
           <p:cNvPr id="5" name="灯片编号占位符 4">
             <a:extLst>
               <a:ext uri="{FF2B5EF4-FFF2-40B4-BE49-F238E27FC236}">
-                <a16:creationId xmlns:a16="http://schemas.microsoft.com/office/drawing/2014/main" id="{A598EEF8-FF06-FBE2-90B3-CFC15C97EBE8}"/>
+                <a16:creationId xmlns:a16="http://schemas.microsoft.com/office/drawing/2014/main" id="{647E6B8C-1A88-E2D0-49E0-FFF26192A65A}"/>
               </a:ext>
             </a:extLst>
           </p:cNvPr>
@@ -2003,7 +2003,7 @@
           <a:bodyPr/>
           <a:lstStyle/>
           <a:p>
-            <a:fld id="{B5DA1F40-33A5-4E7A-818A-4A672985F447}" type="slidenum">
+            <a:fld id="{4E4039FF-377A-4E11-8A9B-E514BC42AA2E}" type="slidenum">
               <a:rPr lang="zh-CN" altLang="en-US" smtClean="0"/>
               <a:t>‹#›</a:t>
             </a:fld>
@@ -2014,7 +2014,7 @@
     </p:spTree>
     <p:extLst>
       <p:ext uri="{BB962C8B-B14F-4D97-AF65-F5344CB8AC3E}">
-        <p14:creationId xmlns:p14="http://schemas.microsoft.com/office/powerpoint/2010/main" val="3894571128"/>
+        <p14:creationId xmlns:p14="http://schemas.microsoft.com/office/powerpoint/2010/main" val="3226555597"/>
       </p:ext>
     </p:extLst>
   </p:cSld>
@@ -2046,7 +2046,7 @@
           <p:cNvPr id="2" name="日期占位符 1">
             <a:extLst>
               <a:ext uri="{FF2B5EF4-FFF2-40B4-BE49-F238E27FC236}">
-                <a16:creationId xmlns:a16="http://schemas.microsoft.com/office/drawing/2014/main" id="{3D72CC3C-BD0C-B9AD-899F-97D26C9E2DDF}"/>
+                <a16:creationId xmlns:a16="http://schemas.microsoft.com/office/drawing/2014/main" id="{ED0D1EEE-FC23-01E7-0434-1DD81168D12F}"/>
               </a:ext>
             </a:extLst>
           </p:cNvPr>
@@ -2062,7 +2062,7 @@
           <a:bodyPr/>
           <a:lstStyle/>
           <a:p>
-            <a:fld id="{2AD1BEFF-7E0C-4E10-A70B-1EEC4F7446E7}" type="datetimeFigureOut">
+            <a:fld id="{F64A1DF1-1E45-49DB-8F25-2182515A9947}" type="datetimeFigureOut">
               <a:rPr lang="zh-CN" altLang="en-US" smtClean="0"/>
               <a:t>2024/3/10</a:t>
             </a:fld>
@@ -2075,7 +2075,7 @@
           <p:cNvPr id="3" name="页脚占位符 2">
             <a:extLst>
               <a:ext uri="{FF2B5EF4-FFF2-40B4-BE49-F238E27FC236}">
-                <a16:creationId xmlns:a16="http://schemas.microsoft.com/office/drawing/2014/main" id="{A30FC7C6-100D-75C3-F121-63A9E3B89631}"/>
+                <a16:creationId xmlns:a16="http://schemas.microsoft.com/office/drawing/2014/main" id="{97DAE57A-54B4-178F-E590-1331F0565D46}"/>
               </a:ext>
             </a:extLst>
           </p:cNvPr>
@@ -2100,7 +2100,7 @@
           <p:cNvPr id="4" name="灯片编号占位符 3">
             <a:extLst>
               <a:ext uri="{FF2B5EF4-FFF2-40B4-BE49-F238E27FC236}">
-                <a16:creationId xmlns:a16="http://schemas.microsoft.com/office/drawing/2014/main" id="{33880F24-1F83-F80A-7FC0-3C4774616D3B}"/>
+                <a16:creationId xmlns:a16="http://schemas.microsoft.com/office/drawing/2014/main" id="{4C0C9BBE-CCC0-5648-871C-327C3E680117}"/>
               </a:ext>
             </a:extLst>
           </p:cNvPr>
@@ -2116,7 +2116,7 @@
           <a:bodyPr/>
           <a:lstStyle/>
           <a:p>
-            <a:fld id="{B5DA1F40-33A5-4E7A-818A-4A672985F447}" type="slidenum">
+            <a:fld id="{4E4039FF-377A-4E11-8A9B-E514BC42AA2E}" type="slidenum">
               <a:rPr lang="zh-CN" altLang="en-US" smtClean="0"/>
               <a:t>‹#›</a:t>
             </a:fld>
@@ -2127,7 +2127,7 @@
     </p:spTree>
     <p:extLst>
       <p:ext uri="{BB962C8B-B14F-4D97-AF65-F5344CB8AC3E}">
-        <p14:creationId xmlns:p14="http://schemas.microsoft.com/office/powerpoint/2010/main" val="2259448918"/>
+        <p14:creationId xmlns:p14="http://schemas.microsoft.com/office/powerpoint/2010/main" val="3076960736"/>
       </p:ext>
     </p:extLst>
   </p:cSld>
@@ -2159,7 +2159,7 @@
           <p:cNvPr id="2" name="标题 1">
             <a:extLst>
               <a:ext uri="{FF2B5EF4-FFF2-40B4-BE49-F238E27FC236}">
-                <a16:creationId xmlns:a16="http://schemas.microsoft.com/office/drawing/2014/main" id="{494CA64C-D340-D465-73CC-9520AACD4BB0}"/>
+                <a16:creationId xmlns:a16="http://schemas.microsoft.com/office/drawing/2014/main" id="{87335DEF-26DB-8F1B-19E8-C75C6D84FC41}"/>
               </a:ext>
             </a:extLst>
           </p:cNvPr>
@@ -2196,7 +2196,7 @@
           <p:cNvPr id="3" name="内容占位符 2">
             <a:extLst>
               <a:ext uri="{FF2B5EF4-FFF2-40B4-BE49-F238E27FC236}">
-                <a16:creationId xmlns:a16="http://schemas.microsoft.com/office/drawing/2014/main" id="{1F87BC92-3620-82C2-7023-64100C813ED5}"/>
+                <a16:creationId xmlns:a16="http://schemas.microsoft.com/office/drawing/2014/main" id="{950E85BE-1817-5556-B0FC-A60C3C99F1F0}"/>
               </a:ext>
             </a:extLst>
           </p:cNvPr>
@@ -2286,7 +2286,7 @@
           <p:cNvPr id="4" name="文本占位符 3">
             <a:extLst>
               <a:ext uri="{FF2B5EF4-FFF2-40B4-BE49-F238E27FC236}">
-                <a16:creationId xmlns:a16="http://schemas.microsoft.com/office/drawing/2014/main" id="{461BF61F-0595-CB7B-CF5E-0FD79758C7EC}"/>
+                <a16:creationId xmlns:a16="http://schemas.microsoft.com/office/drawing/2014/main" id="{E75F8BE6-BF4F-2C5D-4E23-5DC6AEDE9930}"/>
               </a:ext>
             </a:extLst>
           </p:cNvPr>
@@ -2357,7 +2357,7 @@
           <p:cNvPr id="5" name="日期占位符 4">
             <a:extLst>
               <a:ext uri="{FF2B5EF4-FFF2-40B4-BE49-F238E27FC236}">
-                <a16:creationId xmlns:a16="http://schemas.microsoft.com/office/drawing/2014/main" id="{3817D853-DCB7-A578-29DC-B265C69949C1}"/>
+                <a16:creationId xmlns:a16="http://schemas.microsoft.com/office/drawing/2014/main" id="{AE0CE147-9AAB-1B77-B2BF-ABB5C70B8E5D}"/>
               </a:ext>
             </a:extLst>
           </p:cNvPr>
@@ -2373,7 +2373,7 @@
           <a:bodyPr/>
           <a:lstStyle/>
           <a:p>
-            <a:fld id="{2AD1BEFF-7E0C-4E10-A70B-1EEC4F7446E7}" type="datetimeFigureOut">
+            <a:fld id="{F64A1DF1-1E45-49DB-8F25-2182515A9947}" type="datetimeFigureOut">
               <a:rPr lang="zh-CN" altLang="en-US" smtClean="0"/>
               <a:t>2024/3/10</a:t>
             </a:fld>
@@ -2386,7 +2386,7 @@
           <p:cNvPr id="6" name="页脚占位符 5">
             <a:extLst>
               <a:ext uri="{FF2B5EF4-FFF2-40B4-BE49-F238E27FC236}">
-                <a16:creationId xmlns:a16="http://schemas.microsoft.com/office/drawing/2014/main" id="{22FC0CAD-8746-9303-B64E-3671211718D1}"/>
+                <a16:creationId xmlns:a16="http://schemas.microsoft.com/office/drawing/2014/main" id="{9AA7E91B-6049-4867-DDA6-4EEAEAB44AB8}"/>
               </a:ext>
             </a:extLst>
           </p:cNvPr>
@@ -2411,7 +2411,7 @@
           <p:cNvPr id="7" name="灯片编号占位符 6">
             <a:extLst>
               <a:ext uri="{FF2B5EF4-FFF2-40B4-BE49-F238E27FC236}">
-                <a16:creationId xmlns:a16="http://schemas.microsoft.com/office/drawing/2014/main" id="{1B8EE25A-E495-8FC4-CBD1-CAD344B065C3}"/>
+                <a16:creationId xmlns:a16="http://schemas.microsoft.com/office/drawing/2014/main" id="{CBC0E837-8C18-C244-6AC1-DEF3468DD71E}"/>
               </a:ext>
             </a:extLst>
           </p:cNvPr>
@@ -2427,7 +2427,7 @@
           <a:bodyPr/>
           <a:lstStyle/>
           <a:p>
-            <a:fld id="{B5DA1F40-33A5-4E7A-818A-4A672985F447}" type="slidenum">
+            <a:fld id="{4E4039FF-377A-4E11-8A9B-E514BC42AA2E}" type="slidenum">
               <a:rPr lang="zh-CN" altLang="en-US" smtClean="0"/>
               <a:t>‹#›</a:t>
             </a:fld>
@@ -2438,7 +2438,7 @@
     </p:spTree>
     <p:extLst>
       <p:ext uri="{BB962C8B-B14F-4D97-AF65-F5344CB8AC3E}">
-        <p14:creationId xmlns:p14="http://schemas.microsoft.com/office/powerpoint/2010/main" val="2298530106"/>
+        <p14:creationId xmlns:p14="http://schemas.microsoft.com/office/powerpoint/2010/main" val="3448265007"/>
       </p:ext>
     </p:extLst>
   </p:cSld>
@@ -2470,7 +2470,7 @@
           <p:cNvPr id="2" name="标题 1">
             <a:extLst>
               <a:ext uri="{FF2B5EF4-FFF2-40B4-BE49-F238E27FC236}">
-                <a16:creationId xmlns:a16="http://schemas.microsoft.com/office/drawing/2014/main" id="{8DC8627F-2A25-85BB-880F-A71224084A8D}"/>
+                <a16:creationId xmlns:a16="http://schemas.microsoft.com/office/drawing/2014/main" id="{CC4407E3-DFA1-05D3-F188-95446526770B}"/>
               </a:ext>
             </a:extLst>
           </p:cNvPr>
@@ -2507,7 +2507,7 @@
           <p:cNvPr id="3" name="图片占位符 2">
             <a:extLst>
               <a:ext uri="{FF2B5EF4-FFF2-40B4-BE49-F238E27FC236}">
-                <a16:creationId xmlns:a16="http://schemas.microsoft.com/office/drawing/2014/main" id="{6996CE97-9293-1584-CF0C-F65563BCBE4C}"/>
+                <a16:creationId xmlns:a16="http://schemas.microsoft.com/office/drawing/2014/main" id="{1BF94391-62BA-3644-EAC6-150FFEAFC671}"/>
               </a:ext>
             </a:extLst>
           </p:cNvPr>
@@ -2574,7 +2574,7 @@
           <p:cNvPr id="4" name="文本占位符 3">
             <a:extLst>
               <a:ext uri="{FF2B5EF4-FFF2-40B4-BE49-F238E27FC236}">
-                <a16:creationId xmlns:a16="http://schemas.microsoft.com/office/drawing/2014/main" id="{033554F0-2762-9801-40B5-376FFB75B8D4}"/>
+                <a16:creationId xmlns:a16="http://schemas.microsoft.com/office/drawing/2014/main" id="{A61C2C13-A304-C2B6-80FB-445A6D0E46EC}"/>
               </a:ext>
             </a:extLst>
           </p:cNvPr>
@@ -2645,7 +2645,7 @@
           <p:cNvPr id="5" name="日期占位符 4">
             <a:extLst>
               <a:ext uri="{FF2B5EF4-FFF2-40B4-BE49-F238E27FC236}">
-                <a16:creationId xmlns:a16="http://schemas.microsoft.com/office/drawing/2014/main" id="{8B7FA95C-31EA-BD39-094B-DB88EDF69C3D}"/>
+                <a16:creationId xmlns:a16="http://schemas.microsoft.com/office/drawing/2014/main" id="{A07727FC-5F2F-87F7-8359-0359A9A5B34D}"/>
               </a:ext>
             </a:extLst>
           </p:cNvPr>
@@ -2661,7 +2661,7 @@
           <a:bodyPr/>
           <a:lstStyle/>
           <a:p>
-            <a:fld id="{2AD1BEFF-7E0C-4E10-A70B-1EEC4F7446E7}" type="datetimeFigureOut">
+            <a:fld id="{F64A1DF1-1E45-49DB-8F25-2182515A9947}" type="datetimeFigureOut">
               <a:rPr lang="zh-CN" altLang="en-US" smtClean="0"/>
               <a:t>2024/3/10</a:t>
             </a:fld>
@@ -2674,7 +2674,7 @@
           <p:cNvPr id="6" name="页脚占位符 5">
             <a:extLst>
               <a:ext uri="{FF2B5EF4-FFF2-40B4-BE49-F238E27FC236}">
-                <a16:creationId xmlns:a16="http://schemas.microsoft.com/office/drawing/2014/main" id="{55E34C4E-824B-7B9B-9C8B-F2487E1BFBC1}"/>
+                <a16:creationId xmlns:a16="http://schemas.microsoft.com/office/drawing/2014/main" id="{1598149E-65B5-F76F-A083-54D659394E45}"/>
               </a:ext>
             </a:extLst>
           </p:cNvPr>
@@ -2699,7 +2699,7 @@
           <p:cNvPr id="7" name="灯片编号占位符 6">
             <a:extLst>
               <a:ext uri="{FF2B5EF4-FFF2-40B4-BE49-F238E27FC236}">
-                <a16:creationId xmlns:a16="http://schemas.microsoft.com/office/drawing/2014/main" id="{65206612-A109-3D67-965E-2B3A0589C301}"/>
+                <a16:creationId xmlns:a16="http://schemas.microsoft.com/office/drawing/2014/main" id="{9E3B4843-EF30-8588-586B-922BCFD0E5FF}"/>
               </a:ext>
             </a:extLst>
           </p:cNvPr>
@@ -2715,7 +2715,7 @@
           <a:bodyPr/>
           <a:lstStyle/>
           <a:p>
-            <a:fld id="{B5DA1F40-33A5-4E7A-818A-4A672985F447}" type="slidenum">
+            <a:fld id="{4E4039FF-377A-4E11-8A9B-E514BC42AA2E}" type="slidenum">
               <a:rPr lang="zh-CN" altLang="en-US" smtClean="0"/>
               <a:t>‹#›</a:t>
             </a:fld>
@@ -2726,7 +2726,7 @@
     </p:spTree>
     <p:extLst>
       <p:ext uri="{BB962C8B-B14F-4D97-AF65-F5344CB8AC3E}">
-        <p14:creationId xmlns:p14="http://schemas.microsoft.com/office/powerpoint/2010/main" val="1463907604"/>
+        <p14:creationId xmlns:p14="http://schemas.microsoft.com/office/powerpoint/2010/main" val="97820945"/>
       </p:ext>
     </p:extLst>
   </p:cSld>
@@ -2763,7 +2763,7 @@
           <p:cNvPr id="2" name="标题占位符 1">
             <a:extLst>
               <a:ext uri="{FF2B5EF4-FFF2-40B4-BE49-F238E27FC236}">
-                <a16:creationId xmlns:a16="http://schemas.microsoft.com/office/drawing/2014/main" id="{5D4ED101-C260-5891-4072-4ED93E0FE676}"/>
+                <a16:creationId xmlns:a16="http://schemas.microsoft.com/office/drawing/2014/main" id="{CC28F939-F56E-859E-BE64-6D220350DC48}"/>
               </a:ext>
             </a:extLst>
           </p:cNvPr>
@@ -2801,7 +2801,7 @@
           <p:cNvPr id="3" name="文本占位符 2">
             <a:extLst>
               <a:ext uri="{FF2B5EF4-FFF2-40B4-BE49-F238E27FC236}">
-                <a16:creationId xmlns:a16="http://schemas.microsoft.com/office/drawing/2014/main" id="{A77972F6-D6C3-BBF4-0CBC-BAC72869ECDD}"/>
+                <a16:creationId xmlns:a16="http://schemas.microsoft.com/office/drawing/2014/main" id="{5515C87B-527B-C526-A48D-2C0E3A1DF5C0}"/>
               </a:ext>
             </a:extLst>
           </p:cNvPr>
@@ -2868,7 +2868,7 @@
           <p:cNvPr id="4" name="日期占位符 3">
             <a:extLst>
               <a:ext uri="{FF2B5EF4-FFF2-40B4-BE49-F238E27FC236}">
-                <a16:creationId xmlns:a16="http://schemas.microsoft.com/office/drawing/2014/main" id="{175403C2-B648-05FE-BD11-B671B8390E11}"/>
+                <a16:creationId xmlns:a16="http://schemas.microsoft.com/office/drawing/2014/main" id="{895F6B78-10B9-7672-E341-609930B99781}"/>
               </a:ext>
             </a:extLst>
           </p:cNvPr>
@@ -2902,7 +2902,7 @@
             </a:lvl1pPr>
           </a:lstStyle>
           <a:p>
-            <a:fld id="{2AD1BEFF-7E0C-4E10-A70B-1EEC4F7446E7}" type="datetimeFigureOut">
+            <a:fld id="{F64A1DF1-1E45-49DB-8F25-2182515A9947}" type="datetimeFigureOut">
               <a:rPr lang="zh-CN" altLang="en-US" smtClean="0"/>
               <a:t>2024/3/10</a:t>
             </a:fld>
@@ -2915,7 +2915,7 @@
           <p:cNvPr id="5" name="页脚占位符 4">
             <a:extLst>
               <a:ext uri="{FF2B5EF4-FFF2-40B4-BE49-F238E27FC236}">
-                <a16:creationId xmlns:a16="http://schemas.microsoft.com/office/drawing/2014/main" id="{DAF62EDD-7480-C6D9-D485-71B10C5B3C45}"/>
+                <a16:creationId xmlns:a16="http://schemas.microsoft.com/office/drawing/2014/main" id="{9C55511E-F3EA-B4EC-9002-B930441717F4}"/>
               </a:ext>
             </a:extLst>
           </p:cNvPr>
@@ -2958,7 +2958,7 @@
           <p:cNvPr id="6" name="灯片编号占位符 5">
             <a:extLst>
               <a:ext uri="{FF2B5EF4-FFF2-40B4-BE49-F238E27FC236}">
-                <a16:creationId xmlns:a16="http://schemas.microsoft.com/office/drawing/2014/main" id="{4073360F-59CF-8924-823A-588FBCB56D86}"/>
+                <a16:creationId xmlns:a16="http://schemas.microsoft.com/office/drawing/2014/main" id="{E0FED49E-53A0-0B21-57ED-D025E024ED90}"/>
               </a:ext>
             </a:extLst>
           </p:cNvPr>
@@ -2992,7 +2992,7 @@
             </a:lvl1pPr>
           </a:lstStyle>
           <a:p>
-            <a:fld id="{B5DA1F40-33A5-4E7A-818A-4A672985F447}" type="slidenum">
+            <a:fld id="{4E4039FF-377A-4E11-8A9B-E514BC42AA2E}" type="slidenum">
               <a:rPr lang="zh-CN" altLang="en-US" smtClean="0"/>
               <a:t>‹#›</a:t>
             </a:fld>
@@ -3003,7 +3003,7 @@
     </p:spTree>
     <p:extLst>
       <p:ext uri="{BB962C8B-B14F-4D97-AF65-F5344CB8AC3E}">
-        <p14:creationId xmlns:p14="http://schemas.microsoft.com/office/powerpoint/2010/main" val="3933229045"/>
+        <p14:creationId xmlns:p14="http://schemas.microsoft.com/office/powerpoint/2010/main" val="3888950468"/>
       </p:ext>
     </p:extLst>
   </p:cSld>
@@ -3323,7 +3323,7 @@
       </p:grpSpPr>
       <p:pic>
         <p:nvPicPr>
-          <p:cNvPr id="930818" name="Picture 2" descr="908"/>
+          <p:cNvPr id="931842" name="Picture 2" descr="909"/>
           <p:cNvPicPr>
             <a:picLocks noChangeAspect="1" noChangeArrowheads="1"/>
           </p:cNvPicPr>
@@ -3345,7 +3345,7 @@
         <p:spPr bwMode="auto">
           <a:xfrm>
             <a:off x="1524000" y="0"/>
-            <a:ext cx="9144000" cy="6858000"/>
+            <a:ext cx="9144000" cy="6859588"/>
           </a:xfrm>
           <a:prstGeom prst="rect">
             <a:avLst/>
